--- a/Fit or Fail_presentation.pptx
+++ b/Fit or Fail_presentation.pptx
@@ -11,8 +11,9 @@
     <p:sldId id="259" r:id="rId5"/>
     <p:sldId id="262" r:id="rId6"/>
     <p:sldId id="263" r:id="rId7"/>
-    <p:sldId id="261" r:id="rId8"/>
-    <p:sldId id="260" r:id="rId9"/>
+    <p:sldId id="264" r:id="rId8"/>
+    <p:sldId id="261" r:id="rId9"/>
+    <p:sldId id="260" r:id="rId10"/>
   </p:sldIdLst>
   <p:sldSz cx="12192000" cy="6858000"/>
   <p:notesSz cx="6858000" cy="9144000"/>
@@ -111,6 +112,11 @@
       </a:defRPr>
     </a:lvl9pPr>
   </p:defaultTextStyle>
+  <p:extLst>
+    <p:ext uri="{EFAFB233-063F-42B5-8137-9DF3F51BA10A}">
+      <p15:sldGuideLst xmlns:p15="http://schemas.microsoft.com/office/powerpoint/2012/main"/>
+    </p:ext>
+  </p:extLst>
 </p:presentation>
 </file>
 
@@ -4235,6 +4241,666 @@
             <a:pPr algn="ctr"/>
             <a:r>
               <a:rPr lang="en-US" dirty="0"/>
+              <a:t>Completed Tasks </a:t>
+            </a:r>
+          </a:p>
+        </p:txBody>
+      </p:sp>
+      <p:graphicFrame>
+        <p:nvGraphicFramePr>
+          <p:cNvPr id="6" name="Table 5">
+            <a:extLst>
+              <a:ext uri="{FF2B5EF4-FFF2-40B4-BE49-F238E27FC236}">
+                <a16:creationId xmlns:a16="http://schemas.microsoft.com/office/drawing/2014/main" id="{6D22F124-8212-44F8-A49A-E5BAD070E158}"/>
+              </a:ext>
+            </a:extLst>
+          </p:cNvPr>
+          <p:cNvGraphicFramePr>
+            <a:graphicFrameLocks noGrp="1"/>
+          </p:cNvGraphicFramePr>
+          <p:nvPr>
+            <p:extLst>
+              <p:ext uri="{D42A27DB-BD31-4B8C-83A1-F6EECF244321}">
+                <p14:modId xmlns:p14="http://schemas.microsoft.com/office/powerpoint/2010/main" val="1847477221"/>
+              </p:ext>
+            </p:extLst>
+          </p:nvPr>
+        </p:nvGraphicFramePr>
+        <p:xfrm>
+          <a:off x="2967553" y="2152175"/>
+          <a:ext cx="5412967" cy="4110552"/>
+        </p:xfrm>
+        <a:graphic>
+          <a:graphicData uri="http://schemas.openxmlformats.org/drawingml/2006/table">
+            <a:tbl>
+              <a:tblPr>
+                <a:tableStyleId>{616DA210-FB5B-4158-B5E0-FEB733F419BA}</a:tableStyleId>
+              </a:tblPr>
+              <a:tblGrid>
+                <a:gridCol w="1870700">
+                  <a:extLst>
+                    <a:ext uri="{9D8B030D-6E8A-4147-A177-3AD203B41FA5}">
+                      <a16:colId xmlns:a16="http://schemas.microsoft.com/office/drawing/2014/main" val="781563413"/>
+                    </a:ext>
+                  </a:extLst>
+                </a:gridCol>
+                <a:gridCol w="3542267">
+                  <a:extLst>
+                    <a:ext uri="{9D8B030D-6E8A-4147-A177-3AD203B41FA5}">
+                      <a16:colId xmlns:a16="http://schemas.microsoft.com/office/drawing/2014/main" val="3866564030"/>
+                    </a:ext>
+                  </a:extLst>
+                </a:gridCol>
+              </a:tblGrid>
+              <a:tr h="456728">
+                <a:tc>
+                  <a:txBody>
+                    <a:bodyPr/>
+                    <a:lstStyle/>
+                    <a:p>
+                      <a:pPr marL="0" marR="0" fontAlgn="t">
+                        <a:spcBef>
+                          <a:spcPts val="0"/>
+                        </a:spcBef>
+                        <a:spcAft>
+                          <a:spcPts val="0"/>
+                        </a:spcAft>
+                      </a:pPr>
+                      <a:r>
+                        <a:rPr lang="en-US" sz="1200" dirty="0">
+                          <a:effectLst/>
+                        </a:rPr>
+                        <a:t>Task</a:t>
+                      </a:r>
+                      <a:endParaRPr lang="en-US" sz="1200" dirty="0">
+                        <a:effectLst/>
+                        <a:latin typeface="Times New Roman" panose="02020603050405020304" pitchFamily="18" charset="0"/>
+                      </a:endParaRPr>
+                    </a:p>
+                  </a:txBody>
+                  <a:tcPr marL="38100" marR="38100" marT="25400" marB="25400"/>
+                </a:tc>
+                <a:tc>
+                  <a:txBody>
+                    <a:bodyPr/>
+                    <a:lstStyle/>
+                    <a:p>
+                      <a:pPr marL="0" marR="0" fontAlgn="t">
+                        <a:spcBef>
+                          <a:spcPts val="0"/>
+                        </a:spcBef>
+                        <a:spcAft>
+                          <a:spcPts val="0"/>
+                        </a:spcAft>
+                      </a:pPr>
+                      <a:r>
+                        <a:rPr lang="en-US" sz="1200">
+                          <a:effectLst/>
+                        </a:rPr>
+                        <a:t>Who Completed</a:t>
+                      </a:r>
+                      <a:endParaRPr lang="en-US" sz="1200">
+                        <a:effectLst/>
+                        <a:latin typeface="Times New Roman" panose="02020603050405020304" pitchFamily="18" charset="0"/>
+                      </a:endParaRPr>
+                    </a:p>
+                  </a:txBody>
+                  <a:tcPr marL="38100" marR="38100" marT="25400" marB="25400"/>
+                </a:tc>
+                <a:extLst>
+                  <a:ext uri="{0D108BD9-81ED-4DB2-BD59-A6C34878D82A}">
+                    <a16:rowId xmlns:a16="http://schemas.microsoft.com/office/drawing/2014/main" val="3037452996"/>
+                  </a:ext>
+                </a:extLst>
+              </a:tr>
+              <a:tr h="456728">
+                <a:tc>
+                  <a:txBody>
+                    <a:bodyPr/>
+                    <a:lstStyle/>
+                    <a:p>
+                      <a:pPr marL="0" marR="0" fontAlgn="t">
+                        <a:spcBef>
+                          <a:spcPts val="0"/>
+                        </a:spcBef>
+                        <a:spcAft>
+                          <a:spcPts val="0"/>
+                        </a:spcAft>
+                      </a:pPr>
+                      <a:r>
+                        <a:rPr lang="en-US" sz="1200" dirty="0">
+                          <a:effectLst/>
+                          <a:latin typeface="Times New Roman" panose="02020603050405020304" pitchFamily="18" charset="0"/>
+                        </a:rPr>
+                        <a:t>GitHub Setup</a:t>
+                      </a:r>
+                    </a:p>
+                  </a:txBody>
+                  <a:tcPr marL="38100" marR="38100" marT="25400" marB="25400"/>
+                </a:tc>
+                <a:tc>
+                  <a:txBody>
+                    <a:bodyPr/>
+                    <a:lstStyle/>
+                    <a:p>
+                      <a:pPr marL="0" marR="0" algn="ctr" fontAlgn="t">
+                        <a:spcBef>
+                          <a:spcPts val="0"/>
+                        </a:spcBef>
+                        <a:spcAft>
+                          <a:spcPts val="0"/>
+                        </a:spcAft>
+                      </a:pPr>
+                      <a:r>
+                        <a:rPr lang="en-US" sz="1200" dirty="0">
+                          <a:effectLst/>
+                          <a:latin typeface="Times New Roman" panose="02020603050405020304" pitchFamily="18" charset="0"/>
+                        </a:rPr>
+                        <a:t>Josh</a:t>
+                      </a:r>
+                    </a:p>
+                  </a:txBody>
+                  <a:tcPr marL="38100" marR="38100" marT="25400" marB="25400"/>
+                </a:tc>
+                <a:extLst>
+                  <a:ext uri="{0D108BD9-81ED-4DB2-BD59-A6C34878D82A}">
+                    <a16:rowId xmlns:a16="http://schemas.microsoft.com/office/drawing/2014/main" val="1123737745"/>
+                  </a:ext>
+                </a:extLst>
+              </a:tr>
+              <a:tr h="456728">
+                <a:tc>
+                  <a:txBody>
+                    <a:bodyPr/>
+                    <a:lstStyle/>
+                    <a:p>
+                      <a:pPr marL="0" marR="0" fontAlgn="t">
+                        <a:spcBef>
+                          <a:spcPts val="0"/>
+                        </a:spcBef>
+                        <a:spcAft>
+                          <a:spcPts val="0"/>
+                        </a:spcAft>
+                      </a:pPr>
+                      <a:r>
+                        <a:rPr lang="en-US" sz="1200" dirty="0">
+                          <a:effectLst/>
+                        </a:rPr>
+                        <a:t>Use Cases/Requirements</a:t>
+                      </a:r>
+                      <a:endParaRPr lang="en-US" sz="1200" dirty="0">
+                        <a:effectLst/>
+                        <a:latin typeface="Times New Roman" panose="02020603050405020304" pitchFamily="18" charset="0"/>
+                      </a:endParaRPr>
+                    </a:p>
+                  </a:txBody>
+                  <a:tcPr marL="38100" marR="38100" marT="25400" marB="25400"/>
+                </a:tc>
+                <a:tc>
+                  <a:txBody>
+                    <a:bodyPr/>
+                    <a:lstStyle/>
+                    <a:p>
+                      <a:pPr marL="0" marR="0" algn="ctr" fontAlgn="t">
+                        <a:spcBef>
+                          <a:spcPts val="0"/>
+                        </a:spcBef>
+                        <a:spcAft>
+                          <a:spcPts val="0"/>
+                        </a:spcAft>
+                      </a:pPr>
+                      <a:r>
+                        <a:rPr lang="en-US" sz="1200" dirty="0">
+                          <a:effectLst/>
+                        </a:rPr>
+                        <a:t>Christian</a:t>
+                      </a:r>
+                      <a:endParaRPr lang="en-US" sz="1200" dirty="0">
+                        <a:effectLst/>
+                        <a:latin typeface="Times New Roman" panose="02020603050405020304" pitchFamily="18" charset="0"/>
+                      </a:endParaRPr>
+                    </a:p>
+                  </a:txBody>
+                  <a:tcPr marL="38100" marR="38100" marT="25400" marB="25400"/>
+                </a:tc>
+                <a:extLst>
+                  <a:ext uri="{0D108BD9-81ED-4DB2-BD59-A6C34878D82A}">
+                    <a16:rowId xmlns:a16="http://schemas.microsoft.com/office/drawing/2014/main" val="1991200881"/>
+                  </a:ext>
+                </a:extLst>
+              </a:tr>
+              <a:tr h="456728">
+                <a:tc>
+                  <a:txBody>
+                    <a:bodyPr/>
+                    <a:lstStyle/>
+                    <a:p>
+                      <a:pPr marL="0" marR="0" fontAlgn="t">
+                        <a:spcBef>
+                          <a:spcPts val="0"/>
+                        </a:spcBef>
+                        <a:spcAft>
+                          <a:spcPts val="0"/>
+                        </a:spcAft>
+                      </a:pPr>
+                      <a:r>
+                        <a:rPr lang="en-US" sz="1200" dirty="0">
+                          <a:effectLst/>
+                        </a:rPr>
+                        <a:t>Gantt Chart </a:t>
+                      </a:r>
+                      <a:endParaRPr lang="en-US" sz="1200" dirty="0">
+                        <a:effectLst/>
+                        <a:latin typeface="Times New Roman" panose="02020603050405020304" pitchFamily="18" charset="0"/>
+                      </a:endParaRPr>
+                    </a:p>
+                  </a:txBody>
+                  <a:tcPr marL="38100" marR="38100" marT="25400" marB="25400"/>
+                </a:tc>
+                <a:tc>
+                  <a:txBody>
+                    <a:bodyPr/>
+                    <a:lstStyle/>
+                    <a:p>
+                      <a:pPr marL="0" marR="0" algn="ctr" fontAlgn="t">
+                        <a:spcBef>
+                          <a:spcPts val="0"/>
+                        </a:spcBef>
+                        <a:spcAft>
+                          <a:spcPts val="0"/>
+                        </a:spcAft>
+                      </a:pPr>
+                      <a:r>
+                        <a:rPr lang="en-US" sz="1200" dirty="0">
+                          <a:effectLst/>
+                        </a:rPr>
+                        <a:t>Travis</a:t>
+                      </a:r>
+                      <a:endParaRPr lang="en-US" sz="1200" dirty="0">
+                        <a:effectLst/>
+                        <a:latin typeface="Times New Roman" panose="02020603050405020304" pitchFamily="18" charset="0"/>
+                      </a:endParaRPr>
+                    </a:p>
+                  </a:txBody>
+                  <a:tcPr marL="38100" marR="38100" marT="25400" marB="25400"/>
+                </a:tc>
+                <a:extLst>
+                  <a:ext uri="{0D108BD9-81ED-4DB2-BD59-A6C34878D82A}">
+                    <a16:rowId xmlns:a16="http://schemas.microsoft.com/office/drawing/2014/main" val="2655223713"/>
+                  </a:ext>
+                </a:extLst>
+              </a:tr>
+              <a:tr h="456728">
+                <a:tc>
+                  <a:txBody>
+                    <a:bodyPr/>
+                    <a:lstStyle/>
+                    <a:p>
+                      <a:pPr marL="0" marR="0" fontAlgn="t">
+                        <a:spcBef>
+                          <a:spcPts val="0"/>
+                        </a:spcBef>
+                        <a:spcAft>
+                          <a:spcPts val="0"/>
+                        </a:spcAft>
+                      </a:pPr>
+                      <a:r>
+                        <a:rPr lang="en-US" sz="1200" dirty="0">
+                          <a:effectLst/>
+                        </a:rPr>
+                        <a:t>SPMP </a:t>
+                      </a:r>
+                      <a:endParaRPr lang="en-US" sz="1200" dirty="0">
+                        <a:effectLst/>
+                        <a:latin typeface="Times New Roman" panose="02020603050405020304" pitchFamily="18" charset="0"/>
+                      </a:endParaRPr>
+                    </a:p>
+                  </a:txBody>
+                  <a:tcPr marL="38100" marR="38100" marT="25400" marB="25400"/>
+                </a:tc>
+                <a:tc>
+                  <a:txBody>
+                    <a:bodyPr/>
+                    <a:lstStyle/>
+                    <a:p>
+                      <a:pPr marL="0" marR="0" algn="ctr" fontAlgn="t">
+                        <a:spcBef>
+                          <a:spcPts val="0"/>
+                        </a:spcBef>
+                        <a:spcAft>
+                          <a:spcPts val="0"/>
+                        </a:spcAft>
+                      </a:pPr>
+                      <a:r>
+                        <a:rPr lang="en-US" sz="1200" dirty="0">
+                          <a:effectLst/>
+                        </a:rPr>
+                        <a:t>Travis, Christian</a:t>
+                      </a:r>
+                      <a:endParaRPr lang="en-US" sz="1200" dirty="0">
+                        <a:effectLst/>
+                        <a:latin typeface="Times New Roman" panose="02020603050405020304" pitchFamily="18" charset="0"/>
+                      </a:endParaRPr>
+                    </a:p>
+                  </a:txBody>
+                  <a:tcPr marL="38100" marR="38100" marT="25400" marB="25400"/>
+                </a:tc>
+                <a:extLst>
+                  <a:ext uri="{0D108BD9-81ED-4DB2-BD59-A6C34878D82A}">
+                    <a16:rowId xmlns:a16="http://schemas.microsoft.com/office/drawing/2014/main" val="2286771514"/>
+                  </a:ext>
+                </a:extLst>
+              </a:tr>
+              <a:tr h="456728">
+                <a:tc>
+                  <a:txBody>
+                    <a:bodyPr/>
+                    <a:lstStyle/>
+                    <a:p>
+                      <a:pPr marL="0" marR="0" fontAlgn="t">
+                        <a:spcBef>
+                          <a:spcPts val="0"/>
+                        </a:spcBef>
+                        <a:spcAft>
+                          <a:spcPts val="0"/>
+                        </a:spcAft>
+                      </a:pPr>
+                      <a:r>
+                        <a:rPr lang="en-US" sz="1200" dirty="0">
+                          <a:effectLst/>
+                        </a:rPr>
+                        <a:t>Technical Status Presentation</a:t>
+                      </a:r>
+                      <a:endParaRPr lang="en-US" sz="1200" dirty="0">
+                        <a:effectLst/>
+                        <a:latin typeface="Times New Roman" panose="02020603050405020304" pitchFamily="18" charset="0"/>
+                      </a:endParaRPr>
+                    </a:p>
+                  </a:txBody>
+                  <a:tcPr marL="38100" marR="38100" marT="25400" marB="25400"/>
+                </a:tc>
+                <a:tc>
+                  <a:txBody>
+                    <a:bodyPr/>
+                    <a:lstStyle/>
+                    <a:p>
+                      <a:pPr marL="0" marR="0" algn="ctr" fontAlgn="t">
+                        <a:spcBef>
+                          <a:spcPts val="0"/>
+                        </a:spcBef>
+                        <a:spcAft>
+                          <a:spcPts val="0"/>
+                        </a:spcAft>
+                      </a:pPr>
+                      <a:r>
+                        <a:rPr lang="en-US" sz="1200" dirty="0">
+                          <a:effectLst/>
+                        </a:rPr>
+                        <a:t>Travis</a:t>
+                      </a:r>
+                      <a:endParaRPr lang="en-US" sz="1200" dirty="0">
+                        <a:effectLst/>
+                        <a:latin typeface="Times New Roman" panose="02020603050405020304" pitchFamily="18" charset="0"/>
+                      </a:endParaRPr>
+                    </a:p>
+                  </a:txBody>
+                  <a:tcPr marL="38100" marR="38100" marT="25400" marB="25400"/>
+                </a:tc>
+                <a:extLst>
+                  <a:ext uri="{0D108BD9-81ED-4DB2-BD59-A6C34878D82A}">
+                    <a16:rowId xmlns:a16="http://schemas.microsoft.com/office/drawing/2014/main" val="3063263531"/>
+                  </a:ext>
+                </a:extLst>
+              </a:tr>
+              <a:tr h="456728">
+                <a:tc>
+                  <a:txBody>
+                    <a:bodyPr/>
+                    <a:lstStyle/>
+                    <a:p>
+                      <a:pPr marL="0" marR="0" fontAlgn="t">
+                        <a:spcBef>
+                          <a:spcPts val="0"/>
+                        </a:spcBef>
+                        <a:spcAft>
+                          <a:spcPts val="0"/>
+                        </a:spcAft>
+                      </a:pPr>
+                      <a:r>
+                        <a:rPr lang="en-US" sz="1200" dirty="0">
+                          <a:effectLst/>
+                        </a:rPr>
+                        <a:t>Integration/Unit Testing Skeleton</a:t>
+                      </a:r>
+                      <a:endParaRPr lang="en-US" sz="1200" dirty="0">
+                        <a:effectLst/>
+                        <a:latin typeface="Times New Roman" panose="02020603050405020304" pitchFamily="18" charset="0"/>
+                      </a:endParaRPr>
+                    </a:p>
+                  </a:txBody>
+                  <a:tcPr marL="38100" marR="38100" marT="25400" marB="25400"/>
+                </a:tc>
+                <a:tc>
+                  <a:txBody>
+                    <a:bodyPr/>
+                    <a:lstStyle/>
+                    <a:p>
+                      <a:pPr marL="0" marR="0" algn="ctr" fontAlgn="t">
+                        <a:spcBef>
+                          <a:spcPts val="0"/>
+                        </a:spcBef>
+                        <a:spcAft>
+                          <a:spcPts val="0"/>
+                        </a:spcAft>
+                      </a:pPr>
+                      <a:r>
+                        <a:rPr lang="en-US" sz="1200">
+                          <a:effectLst/>
+                        </a:rPr>
+                        <a:t> </a:t>
+                      </a:r>
+                      <a:endParaRPr lang="en-US" sz="1200">
+                        <a:effectLst/>
+                        <a:latin typeface="Times New Roman" panose="02020603050405020304" pitchFamily="18" charset="0"/>
+                      </a:endParaRPr>
+                    </a:p>
+                  </a:txBody>
+                  <a:tcPr marL="38100" marR="38100" marT="25400" marB="25400"/>
+                </a:tc>
+                <a:extLst>
+                  <a:ext uri="{0D108BD9-81ED-4DB2-BD59-A6C34878D82A}">
+                    <a16:rowId xmlns:a16="http://schemas.microsoft.com/office/drawing/2014/main" val="3986079374"/>
+                  </a:ext>
+                </a:extLst>
+              </a:tr>
+              <a:tr h="456728">
+                <a:tc>
+                  <a:txBody>
+                    <a:bodyPr/>
+                    <a:lstStyle/>
+                    <a:p>
+                      <a:pPr marL="0" marR="0" fontAlgn="t">
+                        <a:spcBef>
+                          <a:spcPts val="0"/>
+                        </a:spcBef>
+                        <a:spcAft>
+                          <a:spcPts val="0"/>
+                        </a:spcAft>
+                      </a:pPr>
+                      <a:r>
+                        <a:rPr lang="en-US" sz="1200" dirty="0">
+                          <a:effectLst/>
+                        </a:rPr>
+                        <a:t>Website/Game Development </a:t>
+                      </a:r>
+                      <a:endParaRPr lang="en-US" sz="1200" dirty="0">
+                        <a:effectLst/>
+                        <a:latin typeface="Times New Roman" panose="02020603050405020304" pitchFamily="18" charset="0"/>
+                      </a:endParaRPr>
+                    </a:p>
+                  </a:txBody>
+                  <a:tcPr marL="38100" marR="38100" marT="25400" marB="25400"/>
+                </a:tc>
+                <a:tc>
+                  <a:txBody>
+                    <a:bodyPr/>
+                    <a:lstStyle/>
+                    <a:p>
+                      <a:pPr marL="0" marR="0" algn="ctr" fontAlgn="t">
+                        <a:spcBef>
+                          <a:spcPts val="0"/>
+                        </a:spcBef>
+                        <a:spcAft>
+                          <a:spcPts val="0"/>
+                        </a:spcAft>
+                      </a:pPr>
+                      <a:r>
+                        <a:rPr lang="en-US" sz="1200" dirty="0">
+                          <a:effectLst/>
+                        </a:rPr>
+                        <a:t>Josh, Travis</a:t>
+                      </a:r>
+                      <a:endParaRPr lang="en-US" sz="1200" dirty="0">
+                        <a:effectLst/>
+                        <a:latin typeface="Times New Roman" panose="02020603050405020304" pitchFamily="18" charset="0"/>
+                      </a:endParaRPr>
+                    </a:p>
+                  </a:txBody>
+                  <a:tcPr marL="38100" marR="38100" marT="25400" marB="25400"/>
+                </a:tc>
+                <a:extLst>
+                  <a:ext uri="{0D108BD9-81ED-4DB2-BD59-A6C34878D82A}">
+                    <a16:rowId xmlns:a16="http://schemas.microsoft.com/office/drawing/2014/main" val="1625725533"/>
+                  </a:ext>
+                </a:extLst>
+              </a:tr>
+              <a:tr h="456728">
+                <a:tc>
+                  <a:txBody>
+                    <a:bodyPr/>
+                    <a:lstStyle/>
+                    <a:p>
+                      <a:pPr marL="0" marR="0" fontAlgn="t">
+                        <a:spcBef>
+                          <a:spcPts val="0"/>
+                        </a:spcBef>
+                        <a:spcAft>
+                          <a:spcPts val="0"/>
+                        </a:spcAft>
+                      </a:pPr>
+                      <a:r>
+                        <a:rPr lang="en-US" sz="1200">
+                          <a:effectLst/>
+                        </a:rPr>
+                        <a:t> </a:t>
+                      </a:r>
+                      <a:endParaRPr lang="en-US" sz="1200">
+                        <a:effectLst/>
+                        <a:latin typeface="Times New Roman" panose="02020603050405020304" pitchFamily="18" charset="0"/>
+                      </a:endParaRPr>
+                    </a:p>
+                  </a:txBody>
+                  <a:tcPr marL="38100" marR="38100" marT="25400" marB="25400"/>
+                </a:tc>
+                <a:tc>
+                  <a:txBody>
+                    <a:bodyPr/>
+                    <a:lstStyle/>
+                    <a:p>
+                      <a:pPr marL="0" marR="0" fontAlgn="t">
+                        <a:spcBef>
+                          <a:spcPts val="0"/>
+                        </a:spcBef>
+                        <a:spcAft>
+                          <a:spcPts val="0"/>
+                        </a:spcAft>
+                      </a:pPr>
+                      <a:r>
+                        <a:rPr lang="en-US" sz="1200" dirty="0">
+                          <a:effectLst/>
+                        </a:rPr>
+                        <a:t> </a:t>
+                      </a:r>
+                      <a:endParaRPr lang="en-US" sz="1200" dirty="0">
+                        <a:effectLst/>
+                        <a:latin typeface="Times New Roman" panose="02020603050405020304" pitchFamily="18" charset="0"/>
+                      </a:endParaRPr>
+                    </a:p>
+                  </a:txBody>
+                  <a:tcPr marL="38100" marR="38100" marT="25400" marB="25400"/>
+                </a:tc>
+                <a:extLst>
+                  <a:ext uri="{0D108BD9-81ED-4DB2-BD59-A6C34878D82A}">
+                    <a16:rowId xmlns:a16="http://schemas.microsoft.com/office/drawing/2014/main" val="1176434584"/>
+                  </a:ext>
+                </a:extLst>
+              </a:tr>
+            </a:tbl>
+          </a:graphicData>
+        </a:graphic>
+      </p:graphicFrame>
+    </p:spTree>
+    <p:extLst>
+      <p:ext uri="{BB962C8B-B14F-4D97-AF65-F5344CB8AC3E}">
+        <p14:creationId xmlns:p14="http://schemas.microsoft.com/office/powerpoint/2010/main" val="1551727248"/>
+      </p:ext>
+    </p:extLst>
+  </p:cSld>
+  <p:clrMapOvr>
+    <a:masterClrMapping/>
+  </p:clrMapOvr>
+</p:sld>
+</file>
+
+<file path=ppt/slides/slide8.xml><?xml version="1.0" encoding="utf-8"?>
+<p:sld xmlns:a="http://schemas.openxmlformats.org/drawingml/2006/main" xmlns:r="http://schemas.openxmlformats.org/officeDocument/2006/relationships" xmlns:p="http://schemas.openxmlformats.org/presentationml/2006/main">
+  <p:cSld>
+    <p:bg>
+      <p:bgPr>
+        <a:solidFill>
+          <a:srgbClr val="00B0F0"/>
+        </a:solidFill>
+        <a:effectLst/>
+      </p:bgPr>
+    </p:bg>
+    <p:spTree>
+      <p:nvGrpSpPr>
+        <p:cNvPr id="1" name=""/>
+        <p:cNvGrpSpPr/>
+        <p:nvPr/>
+      </p:nvGrpSpPr>
+      <p:grpSpPr>
+        <a:xfrm>
+          <a:off x="0" y="0"/>
+          <a:ext cx="0" cy="0"/>
+          <a:chOff x="0" y="0"/>
+          <a:chExt cx="0" cy="0"/>
+        </a:xfrm>
+      </p:grpSpPr>
+      <p:sp>
+        <p:nvSpPr>
+          <p:cNvPr id="2" name="Title 1">
+            <a:extLst>
+              <a:ext uri="{FF2B5EF4-FFF2-40B4-BE49-F238E27FC236}">
+                <a16:creationId xmlns:a16="http://schemas.microsoft.com/office/drawing/2014/main" id="{2CA9E641-81A2-44B5-B4CB-6723E8C21FE0}"/>
+              </a:ext>
+            </a:extLst>
+          </p:cNvPr>
+          <p:cNvSpPr>
+            <a:spLocks noGrp="1"/>
+          </p:cNvSpPr>
+          <p:nvPr>
+            <p:ph type="title"/>
+          </p:nvPr>
+        </p:nvSpPr>
+        <p:spPr/>
+        <p:txBody>
+          <a:bodyPr/>
+          <a:lstStyle/>
+          <a:p>
+            <a:pPr algn="ctr"/>
+            <a:r>
+              <a:rPr lang="en-US" dirty="0"/>
               <a:t>Process model</a:t>
             </a:r>
           </a:p>
@@ -4402,7 +5068,7 @@
 </p:sld>
 </file>
 
-<file path=ppt/slides/slide8.xml><?xml version="1.0" encoding="utf-8"?>
+<file path=ppt/slides/slide9.xml><?xml version="1.0" encoding="utf-8"?>
 <p:sld xmlns:a="http://schemas.openxmlformats.org/drawingml/2006/main" xmlns:r="http://schemas.openxmlformats.org/officeDocument/2006/relationships" xmlns:p="http://schemas.openxmlformats.org/presentationml/2006/main">
   <p:cSld>
     <p:bg>

--- a/Fit or Fail_presentation.pptx
+++ b/Fit or Fail_presentation.pptx
@@ -267,7 +267,7 @@
           <a:p>
             <a:fld id="{92002A70-311A-4772-9C04-FF4E337CEBA6}" type="datetimeFigureOut">
               <a:rPr lang="en-US" smtClean="0"/>
-              <a:t>3/4/2020</a:t>
+              <a:t>3/10/2020</a:t>
             </a:fld>
             <a:endParaRPr lang="en-US"/>
           </a:p>
@@ -465,7 +465,7 @@
           <a:p>
             <a:fld id="{92002A70-311A-4772-9C04-FF4E337CEBA6}" type="datetimeFigureOut">
               <a:rPr lang="en-US" smtClean="0"/>
-              <a:t>3/4/2020</a:t>
+              <a:t>3/10/2020</a:t>
             </a:fld>
             <a:endParaRPr lang="en-US"/>
           </a:p>
@@ -673,7 +673,7 @@
           <a:p>
             <a:fld id="{92002A70-311A-4772-9C04-FF4E337CEBA6}" type="datetimeFigureOut">
               <a:rPr lang="en-US" smtClean="0"/>
-              <a:t>3/4/2020</a:t>
+              <a:t>3/10/2020</a:t>
             </a:fld>
             <a:endParaRPr lang="en-US"/>
           </a:p>
@@ -871,7 +871,7 @@
           <a:p>
             <a:fld id="{92002A70-311A-4772-9C04-FF4E337CEBA6}" type="datetimeFigureOut">
               <a:rPr lang="en-US" smtClean="0"/>
-              <a:t>3/4/2020</a:t>
+              <a:t>3/10/2020</a:t>
             </a:fld>
             <a:endParaRPr lang="en-US"/>
           </a:p>
@@ -1146,7 +1146,7 @@
           <a:p>
             <a:fld id="{92002A70-311A-4772-9C04-FF4E337CEBA6}" type="datetimeFigureOut">
               <a:rPr lang="en-US" smtClean="0"/>
-              <a:t>3/4/2020</a:t>
+              <a:t>3/10/2020</a:t>
             </a:fld>
             <a:endParaRPr lang="en-US"/>
           </a:p>
@@ -1411,7 +1411,7 @@
           <a:p>
             <a:fld id="{92002A70-311A-4772-9C04-FF4E337CEBA6}" type="datetimeFigureOut">
               <a:rPr lang="en-US" smtClean="0"/>
-              <a:t>3/4/2020</a:t>
+              <a:t>3/10/2020</a:t>
             </a:fld>
             <a:endParaRPr lang="en-US"/>
           </a:p>
@@ -1823,7 +1823,7 @@
           <a:p>
             <a:fld id="{92002A70-311A-4772-9C04-FF4E337CEBA6}" type="datetimeFigureOut">
               <a:rPr lang="en-US" smtClean="0"/>
-              <a:t>3/4/2020</a:t>
+              <a:t>3/10/2020</a:t>
             </a:fld>
             <a:endParaRPr lang="en-US"/>
           </a:p>
@@ -1964,7 +1964,7 @@
           <a:p>
             <a:fld id="{92002A70-311A-4772-9C04-FF4E337CEBA6}" type="datetimeFigureOut">
               <a:rPr lang="en-US" smtClean="0"/>
-              <a:t>3/4/2020</a:t>
+              <a:t>3/10/2020</a:t>
             </a:fld>
             <a:endParaRPr lang="en-US"/>
           </a:p>
@@ -2077,7 +2077,7 @@
           <a:p>
             <a:fld id="{92002A70-311A-4772-9C04-FF4E337CEBA6}" type="datetimeFigureOut">
               <a:rPr lang="en-US" smtClean="0"/>
-              <a:t>3/4/2020</a:t>
+              <a:t>3/10/2020</a:t>
             </a:fld>
             <a:endParaRPr lang="en-US"/>
           </a:p>
@@ -2388,7 +2388,7 @@
           <a:p>
             <a:fld id="{92002A70-311A-4772-9C04-FF4E337CEBA6}" type="datetimeFigureOut">
               <a:rPr lang="en-US" smtClean="0"/>
-              <a:t>3/4/2020</a:t>
+              <a:t>3/10/2020</a:t>
             </a:fld>
             <a:endParaRPr lang="en-US"/>
           </a:p>
@@ -2676,7 +2676,7 @@
           <a:p>
             <a:fld id="{92002A70-311A-4772-9C04-FF4E337CEBA6}" type="datetimeFigureOut">
               <a:rPr lang="en-US" smtClean="0"/>
-              <a:t>3/4/2020</a:t>
+              <a:t>3/10/2020</a:t>
             </a:fld>
             <a:endParaRPr lang="en-US"/>
           </a:p>
@@ -2917,7 +2917,7 @@
           <a:p>
             <a:fld id="{92002A70-311A-4772-9C04-FF4E337CEBA6}" type="datetimeFigureOut">
               <a:rPr lang="en-US" smtClean="0"/>
-              <a:t>3/4/2020</a:t>
+              <a:t>3/10/2020</a:t>
             </a:fld>
             <a:endParaRPr lang="en-US"/>
           </a:p>
@@ -4261,7 +4261,7 @@
           <p:nvPr>
             <p:extLst>
               <p:ext uri="{D42A27DB-BD31-4B8C-83A1-F6EECF244321}">
-                <p14:modId xmlns:p14="http://schemas.microsoft.com/office/powerpoint/2010/main" val="1847477221"/>
+                <p14:modId xmlns:p14="http://schemas.microsoft.com/office/powerpoint/2010/main" val="714385451"/>
               </p:ext>
             </p:extLst>
           </p:nvPr>
@@ -4450,10 +4450,10 @@
                         </a:spcAft>
                       </a:pPr>
                       <a:r>
-                        <a:rPr lang="en-US" sz="1200" dirty="0">
+                        <a:rPr lang="en-US" sz="1200" smtClean="0">
                           <a:effectLst/>
                         </a:rPr>
-                        <a:t>Christian</a:t>
+                        <a:t>Josh/Christian</a:t>
                       </a:r>
                       <a:endParaRPr lang="en-US" sz="1200" dirty="0">
                         <a:effectLst/>

--- a/Fit or Fail_presentation.pptx
+++ b/Fit or Fail_presentation.pptx
@@ -14,6 +14,8 @@
     <p:sldId id="264" r:id="rId8"/>
     <p:sldId id="261" r:id="rId9"/>
     <p:sldId id="260" r:id="rId10"/>
+    <p:sldId id="265" r:id="rId11"/>
+    <p:sldId id="266" r:id="rId12"/>
   </p:sldIdLst>
   <p:sldSz cx="12192000" cy="6858000"/>
   <p:notesSz cx="6858000" cy="9144000"/>
@@ -267,7 +269,7 @@
           <a:p>
             <a:fld id="{92002A70-311A-4772-9C04-FF4E337CEBA6}" type="datetimeFigureOut">
               <a:rPr lang="en-US" smtClean="0"/>
-              <a:t>3/10/2020</a:t>
+              <a:t>3/23/2020</a:t>
             </a:fld>
             <a:endParaRPr lang="en-US"/>
           </a:p>
@@ -465,7 +467,7 @@
           <a:p>
             <a:fld id="{92002A70-311A-4772-9C04-FF4E337CEBA6}" type="datetimeFigureOut">
               <a:rPr lang="en-US" smtClean="0"/>
-              <a:t>3/10/2020</a:t>
+              <a:t>3/23/2020</a:t>
             </a:fld>
             <a:endParaRPr lang="en-US"/>
           </a:p>
@@ -673,7 +675,7 @@
           <a:p>
             <a:fld id="{92002A70-311A-4772-9C04-FF4E337CEBA6}" type="datetimeFigureOut">
               <a:rPr lang="en-US" smtClean="0"/>
-              <a:t>3/10/2020</a:t>
+              <a:t>3/23/2020</a:t>
             </a:fld>
             <a:endParaRPr lang="en-US"/>
           </a:p>
@@ -871,7 +873,7 @@
           <a:p>
             <a:fld id="{92002A70-311A-4772-9C04-FF4E337CEBA6}" type="datetimeFigureOut">
               <a:rPr lang="en-US" smtClean="0"/>
-              <a:t>3/10/2020</a:t>
+              <a:t>3/23/2020</a:t>
             </a:fld>
             <a:endParaRPr lang="en-US"/>
           </a:p>
@@ -1146,7 +1148,7 @@
           <a:p>
             <a:fld id="{92002A70-311A-4772-9C04-FF4E337CEBA6}" type="datetimeFigureOut">
               <a:rPr lang="en-US" smtClean="0"/>
-              <a:t>3/10/2020</a:t>
+              <a:t>3/23/2020</a:t>
             </a:fld>
             <a:endParaRPr lang="en-US"/>
           </a:p>
@@ -1411,7 +1413,7 @@
           <a:p>
             <a:fld id="{92002A70-311A-4772-9C04-FF4E337CEBA6}" type="datetimeFigureOut">
               <a:rPr lang="en-US" smtClean="0"/>
-              <a:t>3/10/2020</a:t>
+              <a:t>3/23/2020</a:t>
             </a:fld>
             <a:endParaRPr lang="en-US"/>
           </a:p>
@@ -1823,7 +1825,7 @@
           <a:p>
             <a:fld id="{92002A70-311A-4772-9C04-FF4E337CEBA6}" type="datetimeFigureOut">
               <a:rPr lang="en-US" smtClean="0"/>
-              <a:t>3/10/2020</a:t>
+              <a:t>3/23/2020</a:t>
             </a:fld>
             <a:endParaRPr lang="en-US"/>
           </a:p>
@@ -1964,7 +1966,7 @@
           <a:p>
             <a:fld id="{92002A70-311A-4772-9C04-FF4E337CEBA6}" type="datetimeFigureOut">
               <a:rPr lang="en-US" smtClean="0"/>
-              <a:t>3/10/2020</a:t>
+              <a:t>3/23/2020</a:t>
             </a:fld>
             <a:endParaRPr lang="en-US"/>
           </a:p>
@@ -2077,7 +2079,7 @@
           <a:p>
             <a:fld id="{92002A70-311A-4772-9C04-FF4E337CEBA6}" type="datetimeFigureOut">
               <a:rPr lang="en-US" smtClean="0"/>
-              <a:t>3/10/2020</a:t>
+              <a:t>3/23/2020</a:t>
             </a:fld>
             <a:endParaRPr lang="en-US"/>
           </a:p>
@@ -2388,7 +2390,7 @@
           <a:p>
             <a:fld id="{92002A70-311A-4772-9C04-FF4E337CEBA6}" type="datetimeFigureOut">
               <a:rPr lang="en-US" smtClean="0"/>
-              <a:t>3/10/2020</a:t>
+              <a:t>3/23/2020</a:t>
             </a:fld>
             <a:endParaRPr lang="en-US"/>
           </a:p>
@@ -2676,7 +2678,7 @@
           <a:p>
             <a:fld id="{92002A70-311A-4772-9C04-FF4E337CEBA6}" type="datetimeFigureOut">
               <a:rPr lang="en-US" smtClean="0"/>
-              <a:t>3/10/2020</a:t>
+              <a:t>3/23/2020</a:t>
             </a:fld>
             <a:endParaRPr lang="en-US"/>
           </a:p>
@@ -2917,7 +2919,7 @@
           <a:p>
             <a:fld id="{92002A70-311A-4772-9C04-FF4E337CEBA6}" type="datetimeFigureOut">
               <a:rPr lang="en-US" smtClean="0"/>
-              <a:t>3/10/2020</a:t>
+              <a:t>3/23/2020</a:t>
             </a:fld>
             <a:endParaRPr lang="en-US"/>
           </a:p>
@@ -3448,6 +3450,170 @@
 </p:sld>
 </file>
 
+<file path=ppt/slides/slide10.xml><?xml version="1.0" encoding="utf-8"?>
+<p:sld xmlns:a="http://schemas.openxmlformats.org/drawingml/2006/main" xmlns:r="http://schemas.openxmlformats.org/officeDocument/2006/relationships" xmlns:p="http://schemas.openxmlformats.org/presentationml/2006/main">
+  <p:cSld>
+    <p:bg>
+      <p:bgPr>
+        <a:solidFill>
+          <a:srgbClr val="00B0F0"/>
+        </a:solidFill>
+        <a:effectLst/>
+      </p:bgPr>
+    </p:bg>
+    <p:spTree>
+      <p:nvGrpSpPr>
+        <p:cNvPr id="1" name=""/>
+        <p:cNvGrpSpPr/>
+        <p:nvPr/>
+      </p:nvGrpSpPr>
+      <p:grpSpPr>
+        <a:xfrm>
+          <a:off x="0" y="0"/>
+          <a:ext cx="0" cy="0"/>
+          <a:chOff x="0" y="0"/>
+          <a:chExt cx="0" cy="0"/>
+        </a:xfrm>
+      </p:grpSpPr>
+      <p:sp>
+        <p:nvSpPr>
+          <p:cNvPr id="2" name="Title 1">
+            <a:extLst>
+              <a:ext uri="{FF2B5EF4-FFF2-40B4-BE49-F238E27FC236}">
+                <a16:creationId xmlns:a16="http://schemas.microsoft.com/office/drawing/2014/main" id="{F0BDCF57-F91A-472C-8BF4-1B035AB72E99}"/>
+              </a:ext>
+            </a:extLst>
+          </p:cNvPr>
+          <p:cNvSpPr>
+            <a:spLocks noGrp="1"/>
+          </p:cNvSpPr>
+          <p:nvPr>
+            <p:ph type="title"/>
+          </p:nvPr>
+        </p:nvSpPr>
+        <p:spPr/>
+        <p:txBody>
+          <a:bodyPr/>
+          <a:lstStyle/>
+          <a:p>
+            <a:pPr algn="ctr"/>
+            <a:r>
+              <a:rPr lang="en-US" dirty="0"/>
+              <a:t>Current Working Prototype</a:t>
+            </a:r>
+          </a:p>
+        </p:txBody>
+      </p:sp>
+    </p:spTree>
+    <p:extLst>
+      <p:ext uri="{BB962C8B-B14F-4D97-AF65-F5344CB8AC3E}">
+        <p14:creationId xmlns:p14="http://schemas.microsoft.com/office/powerpoint/2010/main" val="898672075"/>
+      </p:ext>
+    </p:extLst>
+  </p:cSld>
+  <p:clrMapOvr>
+    <a:masterClrMapping/>
+  </p:clrMapOvr>
+</p:sld>
+</file>
+
+<file path=ppt/slides/slide11.xml><?xml version="1.0" encoding="utf-8"?>
+<p:sld xmlns:a="http://schemas.openxmlformats.org/drawingml/2006/main" xmlns:r="http://schemas.openxmlformats.org/officeDocument/2006/relationships" xmlns:p="http://schemas.openxmlformats.org/presentationml/2006/main">
+  <p:cSld>
+    <p:bg>
+      <p:bgPr>
+        <a:solidFill>
+          <a:srgbClr val="00B0F0"/>
+        </a:solidFill>
+        <a:effectLst/>
+      </p:bgPr>
+    </p:bg>
+    <p:spTree>
+      <p:nvGrpSpPr>
+        <p:cNvPr id="1" name=""/>
+        <p:cNvGrpSpPr/>
+        <p:nvPr/>
+      </p:nvGrpSpPr>
+      <p:grpSpPr>
+        <a:xfrm>
+          <a:off x="0" y="0"/>
+          <a:ext cx="0" cy="0"/>
+          <a:chOff x="0" y="0"/>
+          <a:chExt cx="0" cy="0"/>
+        </a:xfrm>
+      </p:grpSpPr>
+      <p:sp>
+        <p:nvSpPr>
+          <p:cNvPr id="2" name="Title 1">
+            <a:extLst>
+              <a:ext uri="{FF2B5EF4-FFF2-40B4-BE49-F238E27FC236}">
+                <a16:creationId xmlns:a16="http://schemas.microsoft.com/office/drawing/2014/main" id="{F0BDCF57-F91A-472C-8BF4-1B035AB72E99}"/>
+              </a:ext>
+            </a:extLst>
+          </p:cNvPr>
+          <p:cNvSpPr>
+            <a:spLocks noGrp="1"/>
+          </p:cNvSpPr>
+          <p:nvPr>
+            <p:ph type="title"/>
+          </p:nvPr>
+        </p:nvSpPr>
+        <p:spPr/>
+        <p:txBody>
+          <a:bodyPr/>
+          <a:lstStyle/>
+          <a:p>
+            <a:pPr algn="ctr"/>
+            <a:r>
+              <a:rPr lang="en-US" dirty="0"/>
+              <a:t>Code Review</a:t>
+            </a:r>
+          </a:p>
+        </p:txBody>
+      </p:sp>
+      <p:pic>
+        <p:nvPicPr>
+          <p:cNvPr id="3" name="Picture 2">
+            <a:extLst>
+              <a:ext uri="{FF2B5EF4-FFF2-40B4-BE49-F238E27FC236}">
+                <a16:creationId xmlns:a16="http://schemas.microsoft.com/office/drawing/2014/main" id="{602B52B0-AA74-494E-9306-8DD9D64514AF}"/>
+              </a:ext>
+            </a:extLst>
+          </p:cNvPr>
+          <p:cNvPicPr>
+            <a:picLocks noChangeAspect="1"/>
+          </p:cNvPicPr>
+          <p:nvPr/>
+        </p:nvPicPr>
+        <p:blipFill>
+          <a:blip r:embed="rId2"/>
+          <a:stretch>
+            <a:fillRect/>
+          </a:stretch>
+        </p:blipFill>
+        <p:spPr>
+          <a:xfrm>
+            <a:off x="2382202" y="1690688"/>
+            <a:ext cx="7427595" cy="4751068"/>
+          </a:xfrm>
+          <a:prstGeom prst="rect">
+            <a:avLst/>
+          </a:prstGeom>
+        </p:spPr>
+      </p:pic>
+    </p:spTree>
+    <p:extLst>
+      <p:ext uri="{BB962C8B-B14F-4D97-AF65-F5344CB8AC3E}">
+        <p14:creationId xmlns:p14="http://schemas.microsoft.com/office/powerpoint/2010/main" val="373593228"/>
+      </p:ext>
+    </p:extLst>
+  </p:cSld>
+  <p:clrMapOvr>
+    <a:masterClrMapping/>
+  </p:clrMapOvr>
+</p:sld>
+</file>
+
 <file path=ppt/slides/slide2.xml><?xml version="1.0" encoding="utf-8"?>
 <p:sld xmlns:a="http://schemas.openxmlformats.org/drawingml/2006/main" xmlns:r="http://schemas.openxmlformats.org/officeDocument/2006/relationships" xmlns:p="http://schemas.openxmlformats.org/presentationml/2006/main">
   <p:cSld>
@@ -4450,7 +4616,7 @@
                         </a:spcAft>
                       </a:pPr>
                       <a:r>
-                        <a:rPr lang="en-US" sz="1200" smtClean="0">
+                        <a:rPr lang="en-US" sz="1200">
                           <a:effectLst/>
                         </a:rPr>
                         <a:t>Josh/Christian</a:t>

--- a/Fit or Fail_presentation.pptx
+++ b/Fit or Fail_presentation.pptx
@@ -4427,7 +4427,7 @@
           <p:nvPr>
             <p:extLst>
               <p:ext uri="{D42A27DB-BD31-4B8C-83A1-F6EECF244321}">
-                <p14:modId xmlns:p14="http://schemas.microsoft.com/office/powerpoint/2010/main" val="714385451"/>
+                <p14:modId xmlns:p14="http://schemas.microsoft.com/office/powerpoint/2010/main" val="3265717260"/>
               </p:ext>
             </p:extLst>
           </p:nvPr>
@@ -4955,12 +4955,12 @@
                         </a:spcAft>
                       </a:pPr>
                       <a:r>
-                        <a:rPr lang="en-US" sz="1200">
+                        <a:rPr lang="en-US" sz="1200" dirty="0">
                           <a:effectLst/>
                         </a:rPr>
-                        <a:t> </a:t>
+                        <a:t> Project Review </a:t>
                       </a:r>
-                      <a:endParaRPr lang="en-US" sz="1200">
+                      <a:endParaRPr lang="en-US" sz="1200" dirty="0">
                         <a:effectLst/>
                         <a:latin typeface="Times New Roman" panose="02020603050405020304" pitchFamily="18" charset="0"/>
                       </a:endParaRPr>
@@ -4973,7 +4973,7 @@
                     <a:bodyPr/>
                     <a:lstStyle/>
                     <a:p>
-                      <a:pPr marL="0" marR="0" fontAlgn="t">
+                      <a:pPr marL="0" marR="0" algn="ctr" fontAlgn="t">
                         <a:spcBef>
                           <a:spcPts val="0"/>
                         </a:spcBef>
@@ -4985,7 +4985,7 @@
                         <a:rPr lang="en-US" sz="1200" dirty="0">
                           <a:effectLst/>
                         </a:rPr>
-                        <a:t> </a:t>
+                        <a:t> Travis, </a:t>
                       </a:r>
                       <a:endParaRPr lang="en-US" sz="1200" dirty="0">
                         <a:effectLst/>
